--- a/AIinActionHeroes_Day2_Part1.pptx
+++ b/AIinActionHeroes_Day2_Part1.pptx
@@ -306,8 +306,8 @@
   </pc:docChgLst>
   <pc:docChgLst>
     <pc:chgData name="Shaimaa" userId="236c7616-cf25-48c2-93ff-7a9a2a28a532" providerId="ADAL" clId="{F7B37A4D-16C6-4210-92CE-CC847C68E7CD}"/>
-    <pc:docChg chg="undo custSel addSld delSld modSld">
-      <pc:chgData name="Shaimaa" userId="236c7616-cf25-48c2-93ff-7a9a2a28a532" providerId="ADAL" clId="{F7B37A4D-16C6-4210-92CE-CC847C68E7CD}" dt="2023-08-15T12:50:31.393" v="281" actId="208"/>
+    <pc:docChg chg="undo custSel addSld delSld modSld sldOrd">
+      <pc:chgData name="Shaimaa" userId="236c7616-cf25-48c2-93ff-7a9a2a28a532" providerId="ADAL" clId="{F7B37A4D-16C6-4210-92CE-CC847C68E7CD}" dt="2023-08-15T13:16:03.355" v="292"/>
       <pc:docMkLst>
         <pc:docMk/>
       </pc:docMkLst>
@@ -366,13 +366,13 @@
         </pc:spChg>
       </pc:sldChg>
       <pc:sldChg chg="delSp modSp mod">
-        <pc:chgData name="Shaimaa" userId="236c7616-cf25-48c2-93ff-7a9a2a28a532" providerId="ADAL" clId="{F7B37A4D-16C6-4210-92CE-CC847C68E7CD}" dt="2023-08-14T16:31:22.199" v="195" actId="20577"/>
+        <pc:chgData name="Shaimaa" userId="236c7616-cf25-48c2-93ff-7a9a2a28a532" providerId="ADAL" clId="{F7B37A4D-16C6-4210-92CE-CC847C68E7CD}" dt="2023-08-15T13:15:12.672" v="290" actId="20577"/>
         <pc:sldMkLst>
           <pc:docMk/>
           <pc:sldMk cId="3101038359" sldId="658"/>
         </pc:sldMkLst>
         <pc:spChg chg="mod">
-          <ac:chgData name="Shaimaa" userId="236c7616-cf25-48c2-93ff-7a9a2a28a532" providerId="ADAL" clId="{F7B37A4D-16C6-4210-92CE-CC847C68E7CD}" dt="2023-08-14T16:31:22.199" v="195" actId="20577"/>
+          <ac:chgData name="Shaimaa" userId="236c7616-cf25-48c2-93ff-7a9a2a28a532" providerId="ADAL" clId="{F7B37A4D-16C6-4210-92CE-CC847C68E7CD}" dt="2023-08-15T13:15:12.672" v="290" actId="20577"/>
           <ac:spMkLst>
             <pc:docMk/>
             <pc:sldMk cId="3101038359" sldId="658"/>
@@ -434,6 +434,13 @@
             <ac:spMk id="6" creationId="{2FD28E8C-017E-B1B6-C6D3-43F678B0A38A}"/>
           </ac:spMkLst>
         </pc:spChg>
+      </pc:sldChg>
+      <pc:sldChg chg="ord">
+        <pc:chgData name="Shaimaa" userId="236c7616-cf25-48c2-93ff-7a9a2a28a532" providerId="ADAL" clId="{F7B37A4D-16C6-4210-92CE-CC847C68E7CD}" dt="2023-08-15T13:16:03.355" v="292"/>
+        <pc:sldMkLst>
+          <pc:docMk/>
+          <pc:sldMk cId="3647810395" sldId="723"/>
+        </pc:sldMkLst>
       </pc:sldChg>
       <pc:sldChg chg="addSp delSp modSp mod modClrScheme chgLayout">
         <pc:chgData name="Shaimaa" userId="236c7616-cf25-48c2-93ff-7a9a2a28a532" providerId="ADAL" clId="{F7B37A4D-16C6-4210-92CE-CC847C68E7CD}" dt="2023-08-15T12:50:31.393" v="281" actId="208"/>
@@ -17910,7 +17917,7 @@
                 <a:ea typeface="+mn-ea"/>
                 <a:cs typeface="+mn-cs"/>
               </a:rPr>
-              <a:t>getGPA</a:t>
+              <a:t>getSalary</a:t>
             </a:r>
             <a:r>
               <a:rPr kumimoji="0" lang="en-CA" sz="1800" b="0" i="0" u="none" strike="noStrike" kern="1200" cap="none" spc="0" normalizeH="0" baseline="0" noProof="0" dirty="0">

--- a/AIinActionHeroes_Day2_Part1.pptx
+++ b/AIinActionHeroes_Day2_Part1.pptx
@@ -141,7 +141,7 @@
 <p1510:revInfo xmlns:a="http://schemas.openxmlformats.org/drawingml/2006/main" xmlns:r="http://schemas.openxmlformats.org/officeDocument/2006/relationships" xmlns:p1510="http://schemas.microsoft.com/office/powerpoint/2015/10/main">
   <p1510:revLst>
     <p1510:client id="{7342DD93-BDD0-E4AA-2F56-F21191766AA1}" v="110" dt="2023-08-15T09:49:59.683"/>
-    <p1510:client id="{F7B37A4D-16C6-4210-92CE-CC847C68E7CD}" v="4" dt="2023-08-15T12:49:56.584"/>
+    <p1510:client id="{F7B37A4D-16C6-4210-92CE-CC847C68E7CD}" v="6" dt="2023-08-15T13:20:43.430"/>
   </p1510:revLst>
 </p1510:revInfo>
 </file>
@@ -307,7 +307,7 @@
   <pc:docChgLst>
     <pc:chgData name="Shaimaa" userId="236c7616-cf25-48c2-93ff-7a9a2a28a532" providerId="ADAL" clId="{F7B37A4D-16C6-4210-92CE-CC847C68E7CD}"/>
     <pc:docChg chg="undo custSel addSld delSld modSld sldOrd">
-      <pc:chgData name="Shaimaa" userId="236c7616-cf25-48c2-93ff-7a9a2a28a532" providerId="ADAL" clId="{F7B37A4D-16C6-4210-92CE-CC847C68E7CD}" dt="2023-08-15T13:16:03.355" v="292"/>
+      <pc:chgData name="Shaimaa" userId="236c7616-cf25-48c2-93ff-7a9a2a28a532" providerId="ADAL" clId="{F7B37A4D-16C6-4210-92CE-CC847C68E7CD}" dt="2023-08-15T13:21:46.766" v="365" actId="478"/>
       <pc:docMkLst>
         <pc:docMk/>
       </pc:docMkLst>
@@ -365,18 +365,50 @@
           </ac:spMkLst>
         </pc:spChg>
       </pc:sldChg>
-      <pc:sldChg chg="delSp modSp mod">
-        <pc:chgData name="Shaimaa" userId="236c7616-cf25-48c2-93ff-7a9a2a28a532" providerId="ADAL" clId="{F7B37A4D-16C6-4210-92CE-CC847C68E7CD}" dt="2023-08-15T13:15:12.672" v="290" actId="20577"/>
+      <pc:sldChg chg="addSp delSp modSp mod">
+        <pc:chgData name="Shaimaa" userId="236c7616-cf25-48c2-93ff-7a9a2a28a532" providerId="ADAL" clId="{F7B37A4D-16C6-4210-92CE-CC847C68E7CD}" dt="2023-08-15T13:21:46.766" v="365" actId="478"/>
         <pc:sldMkLst>
           <pc:docMk/>
           <pc:sldMk cId="3101038359" sldId="658"/>
         </pc:sldMkLst>
+        <pc:spChg chg="del mod">
+          <ac:chgData name="Shaimaa" userId="236c7616-cf25-48c2-93ff-7a9a2a28a532" providerId="ADAL" clId="{F7B37A4D-16C6-4210-92CE-CC847C68E7CD}" dt="2023-08-15T13:21:46.766" v="365" actId="478"/>
+          <ac:spMkLst>
+            <pc:docMk/>
+            <pc:sldMk cId="3101038359" sldId="658"/>
+            <ac:spMk id="4" creationId="{A044EFD0-44EE-8ABD-D7CC-443DCC8B916A}"/>
+          </ac:spMkLst>
+        </pc:spChg>
+        <pc:spChg chg="add mod">
+          <ac:chgData name="Shaimaa" userId="236c7616-cf25-48c2-93ff-7a9a2a28a532" providerId="ADAL" clId="{F7B37A4D-16C6-4210-92CE-CC847C68E7CD}" dt="2023-08-15T13:20:43.430" v="298" actId="571"/>
+          <ac:spMkLst>
+            <pc:docMk/>
+            <pc:sldMk cId="3101038359" sldId="658"/>
+            <ac:spMk id="5" creationId="{25D6936A-6A86-F805-1839-9A00C2015D40}"/>
+          </ac:spMkLst>
+        </pc:spChg>
         <pc:spChg chg="mod">
-          <ac:chgData name="Shaimaa" userId="236c7616-cf25-48c2-93ff-7a9a2a28a532" providerId="ADAL" clId="{F7B37A4D-16C6-4210-92CE-CC847C68E7CD}" dt="2023-08-15T13:15:12.672" v="290" actId="20577"/>
+          <ac:chgData name="Shaimaa" userId="236c7616-cf25-48c2-93ff-7a9a2a28a532" providerId="ADAL" clId="{F7B37A4D-16C6-4210-92CE-CC847C68E7CD}" dt="2023-08-15T13:21:35.662" v="364" actId="1036"/>
           <ac:spMkLst>
             <pc:docMk/>
             <pc:sldMk cId="3101038359" sldId="658"/>
             <ac:spMk id="6" creationId="{3F4C5BFB-1DF9-90E0-BA78-69F6D840C2BD}"/>
+          </ac:spMkLst>
+        </pc:spChg>
+        <pc:spChg chg="mod">
+          <ac:chgData name="Shaimaa" userId="236c7616-cf25-48c2-93ff-7a9a2a28a532" providerId="ADAL" clId="{F7B37A4D-16C6-4210-92CE-CC847C68E7CD}" dt="2023-08-15T13:21:35.662" v="364" actId="1036"/>
+          <ac:spMkLst>
+            <pc:docMk/>
+            <pc:sldMk cId="3101038359" sldId="658"/>
+            <ac:spMk id="7" creationId="{45BB44B4-7EB1-F53C-0845-AD51FA66028F}"/>
+          </ac:spMkLst>
+        </pc:spChg>
+        <pc:spChg chg="add mod">
+          <ac:chgData name="Shaimaa" userId="236c7616-cf25-48c2-93ff-7a9a2a28a532" providerId="ADAL" clId="{F7B37A4D-16C6-4210-92CE-CC847C68E7CD}" dt="2023-08-15T13:20:43.430" v="298" actId="571"/>
+          <ac:spMkLst>
+            <pc:docMk/>
+            <pc:sldMk cId="3101038359" sldId="658"/>
+            <ac:spMk id="8" creationId="{9B224F3D-1D1B-C135-6653-FA03A27D7175}"/>
           </ac:spMkLst>
         </pc:spChg>
         <pc:spChg chg="del">
@@ -387,24 +419,104 @@
             <ac:spMk id="8" creationId="{AF3F977B-2D2C-DDD4-EE38-02C1CD6E1FEE}"/>
           </ac:spMkLst>
         </pc:spChg>
+        <pc:spChg chg="add mod">
+          <ac:chgData name="Shaimaa" userId="236c7616-cf25-48c2-93ff-7a9a2a28a532" providerId="ADAL" clId="{F7B37A4D-16C6-4210-92CE-CC847C68E7CD}" dt="2023-08-15T13:20:43.430" v="298" actId="571"/>
+          <ac:spMkLst>
+            <pc:docMk/>
+            <pc:sldMk cId="3101038359" sldId="658"/>
+            <ac:spMk id="9" creationId="{ABC81EB5-E121-3E8A-4897-35F26698C51F}"/>
+          </ac:spMkLst>
+        </pc:spChg>
         <pc:spChg chg="mod">
-          <ac:chgData name="Shaimaa" userId="236c7616-cf25-48c2-93ff-7a9a2a28a532" providerId="ADAL" clId="{F7B37A4D-16C6-4210-92CE-CC847C68E7CD}" dt="2023-08-14T16:31:07.008" v="187" actId="20577"/>
+          <ac:chgData name="Shaimaa" userId="236c7616-cf25-48c2-93ff-7a9a2a28a532" providerId="ADAL" clId="{F7B37A4D-16C6-4210-92CE-CC847C68E7CD}" dt="2023-08-15T13:21:35.662" v="364" actId="1036"/>
           <ac:spMkLst>
             <pc:docMk/>
             <pc:sldMk cId="3101038359" sldId="658"/>
             <ac:spMk id="10" creationId="{204FDB5C-F000-6B5E-F13D-E1B0A2EBB99F}"/>
           </ac:spMkLst>
         </pc:spChg>
+        <pc:spChg chg="add mod">
+          <ac:chgData name="Shaimaa" userId="236c7616-cf25-48c2-93ff-7a9a2a28a532" providerId="ADAL" clId="{F7B37A4D-16C6-4210-92CE-CC847C68E7CD}" dt="2023-08-15T13:20:43.430" v="298" actId="571"/>
+          <ac:spMkLst>
+            <pc:docMk/>
+            <pc:sldMk cId="3101038359" sldId="658"/>
+            <ac:spMk id="11" creationId="{AD2A3AE0-7F30-5D77-BBD2-31ACA83B4A6F}"/>
+          </ac:spMkLst>
+        </pc:spChg>
         <pc:spChg chg="mod">
-          <ac:chgData name="Shaimaa" userId="236c7616-cf25-48c2-93ff-7a9a2a28a532" providerId="ADAL" clId="{F7B37A4D-16C6-4210-92CE-CC847C68E7CD}" dt="2023-08-14T16:29:59.648" v="151" actId="20577"/>
+          <ac:chgData name="Shaimaa" userId="236c7616-cf25-48c2-93ff-7a9a2a28a532" providerId="ADAL" clId="{F7B37A4D-16C6-4210-92CE-CC847C68E7CD}" dt="2023-08-15T13:21:35.662" v="364" actId="1036"/>
+          <ac:spMkLst>
+            <pc:docMk/>
+            <pc:sldMk cId="3101038359" sldId="658"/>
+            <ac:spMk id="12" creationId="{6298259D-B140-E6CB-B2BD-CE54E8EB02F3}"/>
+          </ac:spMkLst>
+        </pc:spChg>
+        <pc:spChg chg="add mod">
+          <ac:chgData name="Shaimaa" userId="236c7616-cf25-48c2-93ff-7a9a2a28a532" providerId="ADAL" clId="{F7B37A4D-16C6-4210-92CE-CC847C68E7CD}" dt="2023-08-15T13:20:43.430" v="298" actId="571"/>
+          <ac:spMkLst>
+            <pc:docMk/>
+            <pc:sldMk cId="3101038359" sldId="658"/>
+            <ac:spMk id="13" creationId="{B1552690-545B-F428-CFFF-4A69B3ED4F9D}"/>
+          </ac:spMkLst>
+        </pc:spChg>
+        <pc:spChg chg="mod">
+          <ac:chgData name="Shaimaa" userId="236c7616-cf25-48c2-93ff-7a9a2a28a532" providerId="ADAL" clId="{F7B37A4D-16C6-4210-92CE-CC847C68E7CD}" dt="2023-08-15T13:21:35.662" v="364" actId="1036"/>
           <ac:spMkLst>
             <pc:docMk/>
             <pc:sldMk cId="3101038359" sldId="658"/>
             <ac:spMk id="14" creationId="{4B814F4F-495B-3A4F-B187-30DFEA81C320}"/>
           </ac:spMkLst>
         </pc:spChg>
+        <pc:spChg chg="add mod">
+          <ac:chgData name="Shaimaa" userId="236c7616-cf25-48c2-93ff-7a9a2a28a532" providerId="ADAL" clId="{F7B37A4D-16C6-4210-92CE-CC847C68E7CD}" dt="2023-08-15T13:20:43.430" v="298" actId="571"/>
+          <ac:spMkLst>
+            <pc:docMk/>
+            <pc:sldMk cId="3101038359" sldId="658"/>
+            <ac:spMk id="15" creationId="{9FB3F20C-5CB4-7E6E-7CE5-473E3F00EBC6}"/>
+          </ac:spMkLst>
+        </pc:spChg>
+        <pc:spChg chg="add mod">
+          <ac:chgData name="Shaimaa" userId="236c7616-cf25-48c2-93ff-7a9a2a28a532" providerId="ADAL" clId="{F7B37A4D-16C6-4210-92CE-CC847C68E7CD}" dt="2023-08-15T13:20:43.430" v="298" actId="571"/>
+          <ac:spMkLst>
+            <pc:docMk/>
+            <pc:sldMk cId="3101038359" sldId="658"/>
+            <ac:spMk id="16" creationId="{C6D23AB4-73C2-7F51-0F56-81DD1CE0FEE4}"/>
+          </ac:spMkLst>
+        </pc:spChg>
+        <pc:spChg chg="add mod">
+          <ac:chgData name="Shaimaa" userId="236c7616-cf25-48c2-93ff-7a9a2a28a532" providerId="ADAL" clId="{F7B37A4D-16C6-4210-92CE-CC847C68E7CD}" dt="2023-08-15T13:20:43.430" v="298" actId="571"/>
+          <ac:spMkLst>
+            <pc:docMk/>
+            <pc:sldMk cId="3101038359" sldId="658"/>
+            <ac:spMk id="17" creationId="{EE71CABF-FC27-F36A-9D88-C92739385DBC}"/>
+          </ac:spMkLst>
+        </pc:spChg>
+        <pc:spChg chg="add mod">
+          <ac:chgData name="Shaimaa" userId="236c7616-cf25-48c2-93ff-7a9a2a28a532" providerId="ADAL" clId="{F7B37A4D-16C6-4210-92CE-CC847C68E7CD}" dt="2023-08-15T13:20:43.430" v="298" actId="571"/>
+          <ac:spMkLst>
+            <pc:docMk/>
+            <pc:sldMk cId="3101038359" sldId="658"/>
+            <ac:spMk id="18" creationId="{EC4C56F3-E3B8-5AA8-8860-0EECABA90700}"/>
+          </ac:spMkLst>
+        </pc:spChg>
+        <pc:spChg chg="add mod">
+          <ac:chgData name="Shaimaa" userId="236c7616-cf25-48c2-93ff-7a9a2a28a532" providerId="ADAL" clId="{F7B37A4D-16C6-4210-92CE-CC847C68E7CD}" dt="2023-08-15T13:20:43.430" v="298" actId="571"/>
+          <ac:spMkLst>
+            <pc:docMk/>
+            <pc:sldMk cId="3101038359" sldId="658"/>
+            <ac:spMk id="21" creationId="{ADBCCEE9-E38C-3C6D-323C-F367B2F82F0F}"/>
+          </ac:spMkLst>
+        </pc:spChg>
         <pc:spChg chg="mod">
-          <ac:chgData name="Shaimaa" userId="236c7616-cf25-48c2-93ff-7a9a2a28a532" providerId="ADAL" clId="{F7B37A4D-16C6-4210-92CE-CC847C68E7CD}" dt="2023-08-14T16:30:59.178" v="180" actId="20577"/>
+          <ac:chgData name="Shaimaa" userId="236c7616-cf25-48c2-93ff-7a9a2a28a532" providerId="ADAL" clId="{F7B37A4D-16C6-4210-92CE-CC847C68E7CD}" dt="2023-08-15T13:21:35.662" v="364" actId="1036"/>
+          <ac:spMkLst>
+            <pc:docMk/>
+            <pc:sldMk cId="3101038359" sldId="658"/>
+            <ac:spMk id="29" creationId="{54B814E8-B5EE-AE2A-8421-F952741AABBA}"/>
+          </ac:spMkLst>
+        </pc:spChg>
+        <pc:spChg chg="mod">
+          <ac:chgData name="Shaimaa" userId="236c7616-cf25-48c2-93ff-7a9a2a28a532" providerId="ADAL" clId="{F7B37A4D-16C6-4210-92CE-CC847C68E7CD}" dt="2023-08-15T13:21:35.662" v="364" actId="1036"/>
           <ac:spMkLst>
             <pc:docMk/>
             <pc:sldMk cId="3101038359" sldId="658"/>
@@ -412,13 +524,69 @@
           </ac:spMkLst>
         </pc:spChg>
         <pc:spChg chg="mod">
-          <ac:chgData name="Shaimaa" userId="236c7616-cf25-48c2-93ff-7a9a2a28a532" providerId="ADAL" clId="{F7B37A4D-16C6-4210-92CE-CC847C68E7CD}" dt="2023-08-14T16:30:50.850" v="174" actId="20577"/>
+          <ac:chgData name="Shaimaa" userId="236c7616-cf25-48c2-93ff-7a9a2a28a532" providerId="ADAL" clId="{F7B37A4D-16C6-4210-92CE-CC847C68E7CD}" dt="2023-08-15T13:21:35.662" v="364" actId="1036"/>
+          <ac:spMkLst>
+            <pc:docMk/>
+            <pc:sldMk cId="3101038359" sldId="658"/>
+            <ac:spMk id="31" creationId="{06BD329E-CEA6-0753-2CC1-7538F3728FCB}"/>
+          </ac:spMkLst>
+        </pc:spChg>
+        <pc:spChg chg="mod">
+          <ac:chgData name="Shaimaa" userId="236c7616-cf25-48c2-93ff-7a9a2a28a532" providerId="ADAL" clId="{F7B37A4D-16C6-4210-92CE-CC847C68E7CD}" dt="2023-08-15T13:21:35.662" v="364" actId="1036"/>
+          <ac:spMkLst>
+            <pc:docMk/>
+            <pc:sldMk cId="3101038359" sldId="658"/>
+            <ac:spMk id="32" creationId="{1F78D76C-1586-33AB-43C1-434250FF191E}"/>
+          </ac:spMkLst>
+        </pc:spChg>
+        <pc:spChg chg="mod">
+          <ac:chgData name="Shaimaa" userId="236c7616-cf25-48c2-93ff-7a9a2a28a532" providerId="ADAL" clId="{F7B37A4D-16C6-4210-92CE-CC847C68E7CD}" dt="2023-08-15T13:21:35.662" v="364" actId="1036"/>
           <ac:spMkLst>
             <pc:docMk/>
             <pc:sldMk cId="3101038359" sldId="658"/>
             <ac:spMk id="33" creationId="{83BAD363-5642-FED5-4608-F6B2006583C5}"/>
           </ac:spMkLst>
         </pc:spChg>
+        <pc:spChg chg="mod">
+          <ac:chgData name="Shaimaa" userId="236c7616-cf25-48c2-93ff-7a9a2a28a532" providerId="ADAL" clId="{F7B37A4D-16C6-4210-92CE-CC847C68E7CD}" dt="2023-08-15T13:21:35.662" v="364" actId="1036"/>
+          <ac:spMkLst>
+            <pc:docMk/>
+            <pc:sldMk cId="3101038359" sldId="658"/>
+            <ac:spMk id="34" creationId="{A8D06C4B-4731-CB7A-2315-AD209924BFA8}"/>
+          </ac:spMkLst>
+        </pc:spChg>
+        <pc:cxnChg chg="add mod">
+          <ac:chgData name="Shaimaa" userId="236c7616-cf25-48c2-93ff-7a9a2a28a532" providerId="ADAL" clId="{F7B37A4D-16C6-4210-92CE-CC847C68E7CD}" dt="2023-08-15T13:20:43.430" v="298" actId="571"/>
+          <ac:cxnSpMkLst>
+            <pc:docMk/>
+            <pc:sldMk cId="3101038359" sldId="658"/>
+            <ac:cxnSpMk id="19" creationId="{4864B674-7F99-8686-594D-326D8A1C9C85}"/>
+          </ac:cxnSpMkLst>
+        </pc:cxnChg>
+        <pc:cxnChg chg="add mod">
+          <ac:chgData name="Shaimaa" userId="236c7616-cf25-48c2-93ff-7a9a2a28a532" providerId="ADAL" clId="{F7B37A4D-16C6-4210-92CE-CC847C68E7CD}" dt="2023-08-15T13:20:43.430" v="298" actId="571"/>
+          <ac:cxnSpMkLst>
+            <pc:docMk/>
+            <pc:sldMk cId="3101038359" sldId="658"/>
+            <ac:cxnSpMk id="20" creationId="{E42CE539-0723-C195-19EA-139149761D50}"/>
+          </ac:cxnSpMkLst>
+        </pc:cxnChg>
+        <pc:cxnChg chg="mod">
+          <ac:chgData name="Shaimaa" userId="236c7616-cf25-48c2-93ff-7a9a2a28a532" providerId="ADAL" clId="{F7B37A4D-16C6-4210-92CE-CC847C68E7CD}" dt="2023-08-15T13:21:35.662" v="364" actId="1036"/>
+          <ac:cxnSpMkLst>
+            <pc:docMk/>
+            <pc:sldMk cId="3101038359" sldId="658"/>
+            <ac:cxnSpMk id="35" creationId="{49CE2B5F-04A2-F38C-56ED-762F3AC01DF0}"/>
+          </ac:cxnSpMkLst>
+        </pc:cxnChg>
+        <pc:cxnChg chg="mod">
+          <ac:chgData name="Shaimaa" userId="236c7616-cf25-48c2-93ff-7a9a2a28a532" providerId="ADAL" clId="{F7B37A4D-16C6-4210-92CE-CC847C68E7CD}" dt="2023-08-15T13:21:35.662" v="364" actId="1036"/>
+          <ac:cxnSpMkLst>
+            <pc:docMk/>
+            <pc:sldMk cId="3101038359" sldId="658"/>
+            <ac:cxnSpMk id="36" creationId="{32B866A2-A94D-2B54-CD73-9416EC7E8BA9}"/>
+          </ac:cxnSpMkLst>
+        </pc:cxnChg>
       </pc:sldChg>
       <pc:sldChg chg="modSp mod">
         <pc:chgData name="Shaimaa" userId="236c7616-cf25-48c2-93ff-7a9a2a28a532" providerId="ADAL" clId="{F7B37A4D-16C6-4210-92CE-CC847C68E7CD}" dt="2023-08-14T16:27:00.447" v="5" actId="20577"/>
@@ -441,6 +609,21 @@
           <pc:docMk/>
           <pc:sldMk cId="3647810395" sldId="723"/>
         </pc:sldMkLst>
+      </pc:sldChg>
+      <pc:sldChg chg="modSp mod">
+        <pc:chgData name="Shaimaa" userId="236c7616-cf25-48c2-93ff-7a9a2a28a532" providerId="ADAL" clId="{F7B37A4D-16C6-4210-92CE-CC847C68E7CD}" dt="2023-08-15T13:19:24.841" v="293" actId="20577"/>
+        <pc:sldMkLst>
+          <pc:docMk/>
+          <pc:sldMk cId="2056589172" sldId="733"/>
+        </pc:sldMkLst>
+        <pc:spChg chg="mod">
+          <ac:chgData name="Shaimaa" userId="236c7616-cf25-48c2-93ff-7a9a2a28a532" providerId="ADAL" clId="{F7B37A4D-16C6-4210-92CE-CC847C68E7CD}" dt="2023-08-15T13:19:24.841" v="293" actId="20577"/>
+          <ac:spMkLst>
+            <pc:docMk/>
+            <pc:sldMk cId="2056589172" sldId="733"/>
+            <ac:spMk id="3" creationId="{AB641E6D-0F96-9748-7275-69212028B30E}"/>
+          </ac:spMkLst>
+        </pc:spChg>
       </pc:sldChg>
       <pc:sldChg chg="addSp delSp modSp mod modClrScheme chgLayout">
         <pc:chgData name="Shaimaa" userId="236c7616-cf25-48c2-93ff-7a9a2a28a532" providerId="ADAL" clId="{F7B37A4D-16C6-4210-92CE-CC847C68E7CD}" dt="2023-08-15T12:50:31.393" v="281" actId="208"/>
@@ -17682,8 +17865,8 @@
         </p:nvSpPr>
         <p:spPr>
           <a:xfrm>
-            <a:off x="5123800" y="431763"/>
-            <a:ext cx="2666301" cy="2236365"/>
+            <a:off x="5123800" y="358525"/>
+            <a:ext cx="2666301" cy="2382842"/>
           </a:xfrm>
           <a:prstGeom prst="flowChartConnector">
             <a:avLst/>
@@ -18541,8 +18724,8 @@
         </p:nvSpPr>
         <p:spPr>
           <a:xfrm>
-            <a:off x="9194334" y="833307"/>
-            <a:ext cx="2207706" cy="2044117"/>
+            <a:off x="9194334" y="766365"/>
+            <a:ext cx="2207706" cy="2178002"/>
           </a:xfrm>
           <a:prstGeom prst="flowChartConnector">
             <a:avLst/>
@@ -18728,7 +18911,7 @@
         </p:nvSpPr>
         <p:spPr>
           <a:xfrm>
-            <a:off x="8412733" y="144666"/>
+            <a:off x="8412733" y="98013"/>
             <a:ext cx="1250124" cy="307777"/>
           </a:xfrm>
           <a:prstGeom prst="rect">
@@ -18810,8 +18993,8 @@
         </p:nvSpPr>
         <p:spPr>
           <a:xfrm>
-            <a:off x="8632431" y="2877424"/>
-            <a:ext cx="3187820" cy="3496919"/>
+            <a:off x="8632431" y="2762904"/>
+            <a:ext cx="3187820" cy="3725960"/>
           </a:xfrm>
           <a:prstGeom prst="flowChartConnector">
             <a:avLst/>
@@ -19251,8 +19434,8 @@
         </p:nvSpPr>
         <p:spPr>
           <a:xfrm>
-            <a:off x="9118993" y="3632541"/>
-            <a:ext cx="2207706" cy="2044117"/>
+            <a:off x="9118993" y="3565599"/>
+            <a:ext cx="2207706" cy="2178002"/>
           </a:xfrm>
           <a:prstGeom prst="flowChartConnector">
             <a:avLst/>
@@ -19501,7 +19684,9 @@
               </a:ext>
             </a:extLst>
           </p:cNvPr>
-          <p:cNvCxnSpPr/>
+          <p:cNvCxnSpPr>
+            <a:cxnSpLocks/>
+          </p:cNvCxnSpPr>
           <p:nvPr/>
         </p:nvCxnSpPr>
         <p:spPr>
@@ -19543,7 +19728,9 @@
               </a:ext>
             </a:extLst>
           </p:cNvPr>
-          <p:cNvCxnSpPr/>
+          <p:cNvCxnSpPr>
+            <a:cxnSpLocks/>
+          </p:cNvCxnSpPr>
           <p:nvPr/>
         </p:nvCxnSpPr>
         <p:spPr>
@@ -19790,35 +19977,6 @@
               <a:rPr lang="en-US"/>
               <a:t>AI-in-Action-Heroes By AISE - Shaimaa Ali</a:t>
             </a:r>
-            <a:endParaRPr lang="en-CA"/>
-          </a:p>
-        </p:txBody>
-      </p:sp>
-      <p:sp>
-        <p:nvSpPr>
-          <p:cNvPr id="4" name="Slide Number Placeholder 3">
-            <a:extLst>
-              <a:ext uri="{FF2B5EF4-FFF2-40B4-BE49-F238E27FC236}">
-                <a16:creationId xmlns:a16="http://schemas.microsoft.com/office/drawing/2014/main" id="{A044EFD0-44EE-8ABD-D7CC-443DCC8B916A}"/>
-              </a:ext>
-            </a:extLst>
-          </p:cNvPr>
-          <p:cNvSpPr>
-            <a:spLocks noGrp="1"/>
-          </p:cNvSpPr>
-          <p:nvPr>
-            <p:ph type="sldNum" sz="quarter" idx="12"/>
-          </p:nvPr>
-        </p:nvSpPr>
-        <p:spPr/>
-        <p:txBody>
-          <a:bodyPr/>
-          <a:lstStyle/>
-          <a:p>
-            <a:fld id="{278C4207-2B14-4EFE-A02D-612BAF3AB404}" type="slidenum">
-              <a:rPr lang="en-CA" smtClean="0"/>
-              <a:t>12</a:t>
-            </a:fld>
             <a:endParaRPr lang="en-CA"/>
           </a:p>
         </p:txBody>
@@ -22955,15 +23113,7 @@
             <a:pPr lvl="1"/>
             <a:r>
               <a:rPr lang="en-CA" dirty="0"/>
-              <a:t>It </a:t>
-            </a:r>
-            <a:r>
-              <a:rPr lang="en-CA" dirty="0" err="1"/>
-              <a:t>containts</a:t>
-            </a:r>
-            <a:r>
-              <a:rPr lang="en-CA" dirty="0"/>
-              <a:t> the reference to the object </a:t>
+              <a:t>It contains the reference to the object </a:t>
             </a:r>
           </a:p>
         </p:txBody>
